--- a/CompressedBox/Comparisons/Quadratic vs.pptx
+++ b/CompressedBox/Comparisons/Quadratic vs.pptx
@@ -5,7 +5,7 @@
     <p:sldMasterId id="2147483648" r:id="rId1"/>
   </p:sldMasterIdLst>
   <p:notesMasterIdLst>
-    <p:notesMasterId r:id="rId22"/>
+    <p:notesMasterId r:id="rId24"/>
   </p:notesMasterIdLst>
   <p:sldIdLst>
     <p:sldId id="256" r:id="rId2"/>
@@ -28,6 +28,8 @@
     <p:sldId id="272" r:id="rId19"/>
     <p:sldId id="274" r:id="rId20"/>
     <p:sldId id="275" r:id="rId21"/>
+    <p:sldId id="276" r:id="rId22"/>
+    <p:sldId id="277" r:id="rId23"/>
   </p:sldIdLst>
   <p:sldSz cx="12192000" cy="6858000"/>
   <p:notesSz cx="6858000" cy="9144000"/>
@@ -126,6 +128,11 @@
       </a:defRPr>
     </a:lvl9pPr>
   </p:defaultTextStyle>
+  <p:extLst>
+    <p:ext uri="{EFAFB233-063F-42B5-8137-9DF3F51BA10A}">
+      <p15:sldGuideLst xmlns:p15="http://schemas.microsoft.com/office/powerpoint/2012/main"/>
+    </p:ext>
+  </p:extLst>
 </p:presentation>
 </file>
 
@@ -1562,6 +1569,174 @@
     <p:extLst>
       <p:ext uri="{BB962C8B-B14F-4D97-AF65-F5344CB8AC3E}">
         <p14:creationId xmlns:p14="http://schemas.microsoft.com/office/powerpoint/2010/main" val="3447873070"/>
+      </p:ext>
+    </p:extLst>
+  </p:cSld>
+  <p:clrMapOvr>
+    <a:masterClrMapping/>
+  </p:clrMapOvr>
+</p:notes>
+</file>
+
+<file path=ppt/notesSlides/notesSlide21.xml><?xml version="1.0" encoding="utf-8"?>
+<p:notes xmlns:a="http://schemas.openxmlformats.org/drawingml/2006/main" xmlns:r="http://schemas.openxmlformats.org/officeDocument/2006/relationships" xmlns:p="http://schemas.openxmlformats.org/presentationml/2006/main">
+  <p:cSld>
+    <p:spTree>
+      <p:nvGrpSpPr>
+        <p:cNvPr id="1" name=""/>
+        <p:cNvGrpSpPr/>
+        <p:nvPr/>
+      </p:nvGrpSpPr>
+      <p:grpSpPr>
+        <a:xfrm>
+          <a:off x="0" y="0"/>
+          <a:ext cx="0" cy="0"/>
+          <a:chOff x="0" y="0"/>
+          <a:chExt cx="0" cy="0"/>
+        </a:xfrm>
+      </p:grpSpPr>
+      <p:sp>
+        <p:nvSpPr>
+          <p:cNvPr id="2" name="Slide Image Placeholder 1"/>
+          <p:cNvSpPr>
+            <a:spLocks noGrp="1" noRot="1" noChangeAspect="1"/>
+          </p:cNvSpPr>
+          <p:nvPr>
+            <p:ph type="sldImg"/>
+          </p:nvPr>
+        </p:nvSpPr>
+        <p:spPr/>
+      </p:sp>
+      <p:sp>
+        <p:nvSpPr>
+          <p:cNvPr id="3" name="Notes Placeholder 2"/>
+          <p:cNvSpPr>
+            <a:spLocks noGrp="1"/>
+          </p:cNvSpPr>
+          <p:nvPr>
+            <p:ph type="body" idx="1"/>
+          </p:nvPr>
+        </p:nvSpPr>
+        <p:spPr/>
+        <p:txBody>
+          <a:bodyPr/>
+          <a:lstStyle/>
+          <a:p>
+            <a:endParaRPr lang="en-GB"/>
+          </a:p>
+        </p:txBody>
+      </p:sp>
+      <p:sp>
+        <p:nvSpPr>
+          <p:cNvPr id="4" name="Slide Number Placeholder 3"/>
+          <p:cNvSpPr>
+            <a:spLocks noGrp="1"/>
+          </p:cNvSpPr>
+          <p:nvPr>
+            <p:ph type="sldNum" sz="quarter" idx="10"/>
+          </p:nvPr>
+        </p:nvSpPr>
+        <p:spPr/>
+        <p:txBody>
+          <a:bodyPr/>
+          <a:lstStyle/>
+          <a:p>
+            <a:fld id="{1154DF45-046D-4251-9838-1B36137EAFE8}" type="slidenum">
+              <a:rPr lang="en-GB" smtClean="0"/>
+              <a:t>21</a:t>
+            </a:fld>
+            <a:endParaRPr lang="en-GB" dirty="0"/>
+          </a:p>
+        </p:txBody>
+      </p:sp>
+    </p:spTree>
+    <p:extLst>
+      <p:ext uri="{BB962C8B-B14F-4D97-AF65-F5344CB8AC3E}">
+        <p14:creationId xmlns:p14="http://schemas.microsoft.com/office/powerpoint/2010/main" val="1686977673"/>
+      </p:ext>
+    </p:extLst>
+  </p:cSld>
+  <p:clrMapOvr>
+    <a:masterClrMapping/>
+  </p:clrMapOvr>
+</p:notes>
+</file>
+
+<file path=ppt/notesSlides/notesSlide22.xml><?xml version="1.0" encoding="utf-8"?>
+<p:notes xmlns:a="http://schemas.openxmlformats.org/drawingml/2006/main" xmlns:r="http://schemas.openxmlformats.org/officeDocument/2006/relationships" xmlns:p="http://schemas.openxmlformats.org/presentationml/2006/main">
+  <p:cSld>
+    <p:spTree>
+      <p:nvGrpSpPr>
+        <p:cNvPr id="1" name=""/>
+        <p:cNvGrpSpPr/>
+        <p:nvPr/>
+      </p:nvGrpSpPr>
+      <p:grpSpPr>
+        <a:xfrm>
+          <a:off x="0" y="0"/>
+          <a:ext cx="0" cy="0"/>
+          <a:chOff x="0" y="0"/>
+          <a:chExt cx="0" cy="0"/>
+        </a:xfrm>
+      </p:grpSpPr>
+      <p:sp>
+        <p:nvSpPr>
+          <p:cNvPr id="2" name="Slide Image Placeholder 1"/>
+          <p:cNvSpPr>
+            <a:spLocks noGrp="1" noRot="1" noChangeAspect="1"/>
+          </p:cNvSpPr>
+          <p:nvPr>
+            <p:ph type="sldImg"/>
+          </p:nvPr>
+        </p:nvSpPr>
+        <p:spPr/>
+      </p:sp>
+      <p:sp>
+        <p:nvSpPr>
+          <p:cNvPr id="3" name="Notes Placeholder 2"/>
+          <p:cNvSpPr>
+            <a:spLocks noGrp="1"/>
+          </p:cNvSpPr>
+          <p:nvPr>
+            <p:ph type="body" idx="1"/>
+          </p:nvPr>
+        </p:nvSpPr>
+        <p:spPr/>
+        <p:txBody>
+          <a:bodyPr/>
+          <a:lstStyle/>
+          <a:p>
+            <a:endParaRPr lang="en-GB"/>
+          </a:p>
+        </p:txBody>
+      </p:sp>
+      <p:sp>
+        <p:nvSpPr>
+          <p:cNvPr id="4" name="Slide Number Placeholder 3"/>
+          <p:cNvSpPr>
+            <a:spLocks noGrp="1"/>
+          </p:cNvSpPr>
+          <p:nvPr>
+            <p:ph type="sldNum" sz="quarter" idx="10"/>
+          </p:nvPr>
+        </p:nvSpPr>
+        <p:spPr/>
+        <p:txBody>
+          <a:bodyPr/>
+          <a:lstStyle/>
+          <a:p>
+            <a:fld id="{1154DF45-046D-4251-9838-1B36137EAFE8}" type="slidenum">
+              <a:rPr lang="en-GB" smtClean="0"/>
+              <a:t>22</a:t>
+            </a:fld>
+            <a:endParaRPr lang="en-GB" dirty="0"/>
+          </a:p>
+        </p:txBody>
+      </p:sp>
+    </p:spTree>
+    <p:extLst>
+      <p:ext uri="{BB962C8B-B14F-4D97-AF65-F5344CB8AC3E}">
+        <p14:creationId xmlns:p14="http://schemas.microsoft.com/office/powerpoint/2010/main" val="4288184402"/>
       </p:ext>
     </p:extLst>
   </p:cSld>
@@ -5212,7 +5387,15 @@
             </a:pPr>
             <a:r>
               <a:rPr lang="en-GB" dirty="0" smtClean="0"/>
-              <a:t>Error from ground truth (TBD)</a:t>
+              <a:t>Error from </a:t>
+            </a:r>
+            <a:r>
+              <a:rPr lang="en-GB" dirty="0" smtClean="0"/>
+              <a:t>baseline </a:t>
+            </a:r>
+            <a:r>
+              <a:rPr lang="en-GB" dirty="0" smtClean="0"/>
+              <a:t>(TBD)</a:t>
             </a:r>
           </a:p>
           <a:p>
@@ -5252,6 +5435,13 @@
   <p:clrMapOvr>
     <a:masterClrMapping/>
   </p:clrMapOvr>
+  <p:timing>
+    <p:tnLst>
+      <p:par>
+        <p:cTn id="1" dur="indefinite" restart="never" nodeType="tmRoot"/>
+      </p:par>
+    </p:tnLst>
+  </p:timing>
 </p:sld>
 </file>
 
@@ -5403,6 +5593,13 @@
   <p:clrMapOvr>
     <a:masterClrMapping/>
   </p:clrMapOvr>
+  <p:timing>
+    <p:tnLst>
+      <p:par>
+        <p:cTn id="1" dur="indefinite" restart="never" nodeType="tmRoot"/>
+      </p:par>
+    </p:tnLst>
+  </p:timing>
 </p:sld>
 </file>
 
@@ -5467,7 +5664,11 @@
           <a:p>
             <a:r>
               <a:rPr lang="en-GB" dirty="0" smtClean="0"/>
-              <a:t>P1 comparisons</a:t>
+              <a:t>P1 </a:t>
+            </a:r>
+            <a:r>
+              <a:rPr lang="en-GB" dirty="0" smtClean="0"/>
+              <a:t>comparisons (nu=0.49)</a:t>
             </a:r>
             <a:endParaRPr lang="en-GB" dirty="0"/>
           </a:p>
@@ -6144,9 +6345,12 @@
           <a:p>
             <a:r>
               <a:rPr lang="en-GB" dirty="0" smtClean="0"/>
-              <a:t>P2 comparisons</a:t>
-            </a:r>
-            <a:endParaRPr lang="en-GB" dirty="0"/>
+              <a:t>P2 </a:t>
+            </a:r>
+            <a:r>
+              <a:rPr lang="en-GB" dirty="0" smtClean="0"/>
+              <a:t>comparisons (nu=0.49)</a:t>
+            </a:r>
           </a:p>
         </p:txBody>
       </p:sp>
@@ -6877,6 +7081,230 @@
 </p:sld>
 </file>
 
+<file path=ppt/slides/slide21.xml><?xml version="1.0" encoding="utf-8"?>
+<p:sld xmlns:a="http://schemas.openxmlformats.org/drawingml/2006/main" xmlns:r="http://schemas.openxmlformats.org/officeDocument/2006/relationships" xmlns:p="http://schemas.openxmlformats.org/presentationml/2006/main">
+  <p:cSld>
+    <p:spTree>
+      <p:nvGrpSpPr>
+        <p:cNvPr id="1" name=""/>
+        <p:cNvGrpSpPr/>
+        <p:nvPr/>
+      </p:nvGrpSpPr>
+      <p:grpSpPr>
+        <a:xfrm>
+          <a:off x="0" y="0"/>
+          <a:ext cx="0" cy="0"/>
+          <a:chOff x="0" y="0"/>
+          <a:chExt cx="0" cy="0"/>
+        </a:xfrm>
+      </p:grpSpPr>
+      <p:sp>
+        <p:nvSpPr>
+          <p:cNvPr id="5" name="Title 4"/>
+          <p:cNvSpPr>
+            <a:spLocks noGrp="1"/>
+          </p:cNvSpPr>
+          <p:nvPr>
+            <p:ph type="title"/>
+          </p:nvPr>
+        </p:nvSpPr>
+        <p:spPr/>
+        <p:txBody>
+          <a:bodyPr/>
+          <a:lstStyle/>
+          <a:p>
+            <a:r>
+              <a:rPr lang="en-GB" dirty="0" smtClean="0"/>
+              <a:t>Mixed P1/P1</a:t>
+            </a:r>
+            <a:endParaRPr lang="en-GB" dirty="0"/>
+          </a:p>
+        </p:txBody>
+      </p:sp>
+      <p:pic>
+        <p:nvPicPr>
+          <p:cNvPr id="7" name="Content Placeholder 6"/>
+          <p:cNvPicPr>
+            <a:picLocks noGrp="1" noChangeAspect="1"/>
+          </p:cNvPicPr>
+          <p:nvPr>
+            <p:ph idx="1"/>
+          </p:nvPr>
+        </p:nvPicPr>
+        <p:blipFill>
+          <a:blip r:embed="rId3">
+            <a:extLst>
+              <a:ext uri="{28A0092B-C50C-407E-A947-70E740481C1C}">
+                <a14:useLocalDpi xmlns:a14="http://schemas.microsoft.com/office/drawing/2010/main" val="0"/>
+              </a:ext>
+            </a:extLst>
+          </a:blip>
+          <a:stretch>
+            <a:fillRect/>
+          </a:stretch>
+        </p:blipFill>
+        <p:spPr>
+          <a:xfrm>
+            <a:off x="757793" y="1690688"/>
+            <a:ext cx="4299467" cy="4351338"/>
+          </a:xfrm>
+        </p:spPr>
+      </p:pic>
+      <p:pic>
+        <p:nvPicPr>
+          <p:cNvPr id="8" name="Picture 7"/>
+          <p:cNvPicPr>
+            <a:picLocks noChangeAspect="1"/>
+          </p:cNvPicPr>
+          <p:nvPr/>
+        </p:nvPicPr>
+        <p:blipFill>
+          <a:blip r:embed="rId4">
+            <a:extLst>
+              <a:ext uri="{28A0092B-C50C-407E-A947-70E740481C1C}">
+                <a14:useLocalDpi xmlns:a14="http://schemas.microsoft.com/office/drawing/2010/main" val="0"/>
+              </a:ext>
+            </a:extLst>
+          </a:blip>
+          <a:stretch>
+            <a:fillRect/>
+          </a:stretch>
+        </p:blipFill>
+        <p:spPr>
+          <a:xfrm>
+            <a:off x="5936104" y="1690688"/>
+            <a:ext cx="4344932" cy="4397351"/>
+          </a:xfrm>
+          <a:prstGeom prst="rect">
+            <a:avLst/>
+          </a:prstGeom>
+        </p:spPr>
+      </p:pic>
+    </p:spTree>
+    <p:extLst>
+      <p:ext uri="{BB962C8B-B14F-4D97-AF65-F5344CB8AC3E}">
+        <p14:creationId xmlns:p14="http://schemas.microsoft.com/office/powerpoint/2010/main" val="783081267"/>
+      </p:ext>
+    </p:extLst>
+  </p:cSld>
+  <p:clrMapOvr>
+    <a:masterClrMapping/>
+  </p:clrMapOvr>
+</p:sld>
+</file>
+
+<file path=ppt/slides/slide22.xml><?xml version="1.0" encoding="utf-8"?>
+<p:sld xmlns:a="http://schemas.openxmlformats.org/drawingml/2006/main" xmlns:r="http://schemas.openxmlformats.org/officeDocument/2006/relationships" xmlns:p="http://schemas.openxmlformats.org/presentationml/2006/main">
+  <p:cSld>
+    <p:spTree>
+      <p:nvGrpSpPr>
+        <p:cNvPr id="1" name=""/>
+        <p:cNvGrpSpPr/>
+        <p:nvPr/>
+      </p:nvGrpSpPr>
+      <p:grpSpPr>
+        <a:xfrm>
+          <a:off x="0" y="0"/>
+          <a:ext cx="0" cy="0"/>
+          <a:chOff x="0" y="0"/>
+          <a:chExt cx="0" cy="0"/>
+        </a:xfrm>
+      </p:grpSpPr>
+      <p:sp>
+        <p:nvSpPr>
+          <p:cNvPr id="2" name="Title 1"/>
+          <p:cNvSpPr>
+            <a:spLocks noGrp="1"/>
+          </p:cNvSpPr>
+          <p:nvPr>
+            <p:ph type="title"/>
+          </p:nvPr>
+        </p:nvSpPr>
+        <p:spPr/>
+        <p:txBody>
+          <a:bodyPr/>
+          <a:lstStyle/>
+          <a:p>
+            <a:r>
+              <a:rPr lang="en-GB" dirty="0" smtClean="0"/>
+              <a:t>Mixed P2/P1</a:t>
+            </a:r>
+            <a:endParaRPr lang="en-GB" dirty="0"/>
+          </a:p>
+        </p:txBody>
+      </p:sp>
+      <p:pic>
+        <p:nvPicPr>
+          <p:cNvPr id="4" name="Content Placeholder 3"/>
+          <p:cNvPicPr>
+            <a:picLocks noGrp="1" noChangeAspect="1"/>
+          </p:cNvPicPr>
+          <p:nvPr>
+            <p:ph idx="1"/>
+          </p:nvPr>
+        </p:nvPicPr>
+        <p:blipFill>
+          <a:blip r:embed="rId3">
+            <a:extLst>
+              <a:ext uri="{28A0092B-C50C-407E-A947-70E740481C1C}">
+                <a14:useLocalDpi xmlns:a14="http://schemas.microsoft.com/office/drawing/2010/main" val="0"/>
+              </a:ext>
+            </a:extLst>
+          </a:blip>
+          <a:stretch>
+            <a:fillRect/>
+          </a:stretch>
+        </p:blipFill>
+        <p:spPr>
+          <a:xfrm>
+            <a:off x="838200" y="1690688"/>
+            <a:ext cx="4299467" cy="4351338"/>
+          </a:xfrm>
+        </p:spPr>
+      </p:pic>
+      <p:pic>
+        <p:nvPicPr>
+          <p:cNvPr id="5" name="Picture 4"/>
+          <p:cNvPicPr>
+            <a:picLocks noChangeAspect="1"/>
+          </p:cNvPicPr>
+          <p:nvPr/>
+        </p:nvPicPr>
+        <p:blipFill>
+          <a:blip r:embed="rId4">
+            <a:extLst>
+              <a:ext uri="{28A0092B-C50C-407E-A947-70E740481C1C}">
+                <a14:useLocalDpi xmlns:a14="http://schemas.microsoft.com/office/drawing/2010/main" val="0"/>
+              </a:ext>
+            </a:extLst>
+          </a:blip>
+          <a:stretch>
+            <a:fillRect/>
+          </a:stretch>
+        </p:blipFill>
+        <p:spPr>
+          <a:xfrm>
+            <a:off x="6301864" y="1663658"/>
+            <a:ext cx="4352883" cy="4405398"/>
+          </a:xfrm>
+          <a:prstGeom prst="rect">
+            <a:avLst/>
+          </a:prstGeom>
+        </p:spPr>
+      </p:pic>
+    </p:spTree>
+    <p:extLst>
+      <p:ext uri="{BB962C8B-B14F-4D97-AF65-F5344CB8AC3E}">
+        <p14:creationId xmlns:p14="http://schemas.microsoft.com/office/powerpoint/2010/main" val="2661299394"/>
+      </p:ext>
+    </p:extLst>
+  </p:cSld>
+  <p:clrMapOvr>
+    <a:masterClrMapping/>
+  </p:clrMapOvr>
+</p:sld>
+</file>
+
 <file path=ppt/slides/slide3.xml><?xml version="1.0" encoding="utf-8"?>
 <p:sld xmlns:a="http://schemas.openxmlformats.org/drawingml/2006/main" xmlns:r="http://schemas.openxmlformats.org/officeDocument/2006/relationships" xmlns:p="http://schemas.openxmlformats.org/presentationml/2006/main">
   <p:cSld>
@@ -6996,7 +7424,11 @@
             <a:pPr lvl="1"/>
             <a:r>
               <a:rPr lang="en-GB" dirty="0" smtClean="0"/>
-              <a:t>Compare error to P4 high-res ground truth</a:t>
+              <a:t>Compare error to P4 high-res </a:t>
+            </a:r>
+            <a:r>
+              <a:rPr lang="en-GB" dirty="0" smtClean="0"/>
+              <a:t>baseline	</a:t>
             </a:r>
           </a:p>
           <a:p>
@@ -7005,6 +7437,7 @@
               <a:rPr lang="en-GB" dirty="0" smtClean="0"/>
               <a:t>Non-smooth stress distribution</a:t>
             </a:r>
+            <a:endParaRPr lang="en-GB" dirty="0" smtClean="0"/>
           </a:p>
         </p:txBody>
       </p:sp>
@@ -7018,6 +7451,13 @@
   <p:clrMapOvr>
     <a:masterClrMapping/>
   </p:clrMapOvr>
+  <p:timing>
+    <p:tnLst>
+      <p:par>
+        <p:cTn id="1" dur="indefinite" restart="never" nodeType="tmRoot"/>
+      </p:par>
+    </p:tnLst>
+  </p:timing>
 </p:sld>
 </file>
 
@@ -7097,6 +7537,13 @@
   <p:clrMapOvr>
     <a:masterClrMapping/>
   </p:clrMapOvr>
+  <p:timing>
+    <p:tnLst>
+      <p:par>
+        <p:cTn id="1" dur="indefinite" restart="never" nodeType="tmRoot"/>
+      </p:par>
+    </p:tnLst>
+  </p:timing>
 </p:sld>
 </file>
 
@@ -7206,6 +7653,13 @@
   <p:clrMapOvr>
     <a:masterClrMapping/>
   </p:clrMapOvr>
+  <p:timing>
+    <p:tnLst>
+      <p:par>
+        <p:cTn id="1" dur="indefinite" restart="never" nodeType="tmRoot"/>
+      </p:par>
+    </p:tnLst>
+  </p:timing>
 </p:sld>
 </file>
 
@@ -7300,6 +7754,13 @@
   <p:clrMapOvr>
     <a:masterClrMapping/>
   </p:clrMapOvr>
+  <p:timing>
+    <p:tnLst>
+      <p:par>
+        <p:cTn id="1" dur="indefinite" restart="never" nodeType="tmRoot"/>
+      </p:par>
+    </p:tnLst>
+  </p:timing>
 </p:sld>
 </file>
 
@@ -7343,8 +7804,8 @@
           </a:p>
         </p:txBody>
       </p:sp>
-      <mc:AlternateContent xmlns:mc="http://schemas.openxmlformats.org/markup-compatibility/2006">
-        <mc:Choice xmlns:a14="http://schemas.microsoft.com/office/drawing/2010/main" Requires="a14">
+      <mc:AlternateContent xmlns:mc="http://schemas.openxmlformats.org/markup-compatibility/2006" xmlns:a14="http://schemas.microsoft.com/office/drawing/2010/main">
+        <mc:Choice Requires="a14">
           <p:sp>
             <p:nvSpPr>
               <p:cNvPr id="3" name="Content Placeholder 2"/>
@@ -7478,7 +7939,7 @@
             </p:txBody>
           </p:sp>
         </mc:Choice>
-        <mc:Fallback>
+        <mc:Fallback xmlns="">
           <p:sp>
             <p:nvSpPr>
               <p:cNvPr id="3" name="Content Placeholder 2"/>
@@ -7522,6 +7983,13 @@
   <p:clrMapOvr>
     <a:masterClrMapping/>
   </p:clrMapOvr>
+  <p:timing>
+    <p:tnLst>
+      <p:par>
+        <p:cTn id="1" dur="indefinite" restart="never" nodeType="tmRoot"/>
+      </p:par>
+    </p:tnLst>
+  </p:timing>
 </p:sld>
 </file>
 
